--- a/PPTs/691.pptx
+++ b/PPTs/691.pptx
@@ -8,13 +8,11 @@
     <p:sldId id="389" r:id="rId2"/>
     <p:sldId id="390" r:id="rId3"/>
     <p:sldId id="391" r:id="rId4"/>
-    <p:sldId id="392" r:id="rId5"/>
-    <p:sldId id="393" r:id="rId6"/>
-    <p:sldId id="394" r:id="rId7"/>
-    <p:sldId id="396" r:id="rId8"/>
-    <p:sldId id="398" r:id="rId9"/>
-    <p:sldId id="399" r:id="rId10"/>
-    <p:sldId id="400" r:id="rId11"/>
+    <p:sldId id="393" r:id="rId5"/>
+    <p:sldId id="395" r:id="rId6"/>
+    <p:sldId id="396" r:id="rId7"/>
+    <p:sldId id="398" r:id="rId8"/>
+    <p:sldId id="400" r:id="rId9"/>
   </p:sldIdLst>
   <p:sldSz cx="12192000" cy="6858000"/>
   <p:notesSz cx="6858000" cy="9144000"/>
@@ -24154,7 +24152,7 @@
           <a:p>
             <a:fld id="{CCB236BB-53DE-4462-8C4F-7698E6995948}" type="datetimeFigureOut">
               <a:rPr lang="en-IN" smtClean="0"/>
-              <a:t>31-01-2021</a:t>
+              <a:t>07-02-2021</a:t>
             </a:fld>
             <a:endParaRPr lang="en-IN" dirty="0"/>
           </a:p>
@@ -24354,7 +24352,7 @@
           <a:p>
             <a:fld id="{CCB236BB-53DE-4462-8C4F-7698E6995948}" type="datetimeFigureOut">
               <a:rPr lang="en-IN" smtClean="0"/>
-              <a:t>31-01-2021</a:t>
+              <a:t>07-02-2021</a:t>
             </a:fld>
             <a:endParaRPr lang="en-IN" dirty="0"/>
           </a:p>
@@ -24564,7 +24562,7 @@
           <a:p>
             <a:fld id="{CCB236BB-53DE-4462-8C4F-7698E6995948}" type="datetimeFigureOut">
               <a:rPr lang="en-IN" smtClean="0"/>
-              <a:t>31-01-2021</a:t>
+              <a:t>07-02-2021</a:t>
             </a:fld>
             <a:endParaRPr lang="en-IN" dirty="0"/>
           </a:p>
@@ -24764,7 +24762,7 @@
           <a:p>
             <a:fld id="{CCB236BB-53DE-4462-8C4F-7698E6995948}" type="datetimeFigureOut">
               <a:rPr lang="en-IN" smtClean="0"/>
-              <a:t>31-01-2021</a:t>
+              <a:t>07-02-2021</a:t>
             </a:fld>
             <a:endParaRPr lang="en-IN" dirty="0"/>
           </a:p>
@@ -25040,7 +25038,7 @@
           <a:p>
             <a:fld id="{CCB236BB-53DE-4462-8C4F-7698E6995948}" type="datetimeFigureOut">
               <a:rPr lang="en-IN" smtClean="0"/>
-              <a:t>31-01-2021</a:t>
+              <a:t>07-02-2021</a:t>
             </a:fld>
             <a:endParaRPr lang="en-IN" dirty="0"/>
           </a:p>
@@ -25308,7 +25306,7 @@
           <a:p>
             <a:fld id="{CCB236BB-53DE-4462-8C4F-7698E6995948}" type="datetimeFigureOut">
               <a:rPr lang="en-IN" smtClean="0"/>
-              <a:t>31-01-2021</a:t>
+              <a:t>07-02-2021</a:t>
             </a:fld>
             <a:endParaRPr lang="en-IN" dirty="0"/>
           </a:p>
@@ -25723,7 +25721,7 @@
           <a:p>
             <a:fld id="{CCB236BB-53DE-4462-8C4F-7698E6995948}" type="datetimeFigureOut">
               <a:rPr lang="en-IN" smtClean="0"/>
-              <a:t>31-01-2021</a:t>
+              <a:t>07-02-2021</a:t>
             </a:fld>
             <a:endParaRPr lang="en-IN" dirty="0"/>
           </a:p>
@@ -25865,7 +25863,7 @@
           <a:p>
             <a:fld id="{CCB236BB-53DE-4462-8C4F-7698E6995948}" type="datetimeFigureOut">
               <a:rPr lang="en-IN" smtClean="0"/>
-              <a:t>31-01-2021</a:t>
+              <a:t>07-02-2021</a:t>
             </a:fld>
             <a:endParaRPr lang="en-IN" dirty="0"/>
           </a:p>
@@ -25978,7 +25976,7 @@
           <a:p>
             <a:fld id="{CCB236BB-53DE-4462-8C4F-7698E6995948}" type="datetimeFigureOut">
               <a:rPr lang="en-IN" smtClean="0"/>
-              <a:t>31-01-2021</a:t>
+              <a:t>07-02-2021</a:t>
             </a:fld>
             <a:endParaRPr lang="en-IN" dirty="0"/>
           </a:p>
@@ -26291,7 +26289,7 @@
           <a:p>
             <a:fld id="{CCB236BB-53DE-4462-8C4F-7698E6995948}" type="datetimeFigureOut">
               <a:rPr lang="en-IN" smtClean="0"/>
-              <a:t>31-01-2021</a:t>
+              <a:t>07-02-2021</a:t>
             </a:fld>
             <a:endParaRPr lang="en-IN" dirty="0"/>
           </a:p>
@@ -26580,7 +26578,7 @@
           <a:p>
             <a:fld id="{CCB236BB-53DE-4462-8C4F-7698E6995948}" type="datetimeFigureOut">
               <a:rPr lang="en-IN" smtClean="0"/>
-              <a:t>31-01-2021</a:t>
+              <a:t>07-02-2021</a:t>
             </a:fld>
             <a:endParaRPr lang="en-IN" dirty="0"/>
           </a:p>
@@ -26826,7 +26824,7 @@
           <a:p>
             <a:fld id="{CCB236BB-53DE-4462-8C4F-7698E6995948}" type="datetimeFigureOut">
               <a:rPr lang="en-IN" smtClean="0"/>
-              <a:t>31-01-2021</a:t>
+              <a:t>07-02-2021</a:t>
             </a:fld>
             <a:endParaRPr lang="en-IN" dirty="0"/>
           </a:p>
@@ -27415,183 +27413,6 @@
 </p:sld>
 </file>
 
-<file path=ppt/slides/slide10.xml><?xml version="1.0" encoding="utf-8"?>
-<p:sld xmlns:a="http://schemas.openxmlformats.org/drawingml/2006/main" xmlns:r="http://schemas.openxmlformats.org/officeDocument/2006/relationships" xmlns:p="http://schemas.openxmlformats.org/presentationml/2006/main">
-  <p:cSld>
-    <p:spTree>
-      <p:nvGrpSpPr>
-        <p:cNvPr id="1" name=""/>
-        <p:cNvGrpSpPr/>
-        <p:nvPr/>
-      </p:nvGrpSpPr>
-      <p:grpSpPr>
-        <a:xfrm>
-          <a:off x="0" y="0"/>
-          <a:ext cx="0" cy="0"/>
-          <a:chOff x="0" y="0"/>
-          <a:chExt cx="0" cy="0"/>
-        </a:xfrm>
-      </p:grpSpPr>
-      <p:sp>
-        <p:nvSpPr>
-          <p:cNvPr id="6" name="Rectangle 5">
-            <a:extLst>
-              <a:ext uri="{FF2B5EF4-FFF2-40B4-BE49-F238E27FC236}">
-                <a16:creationId xmlns:a16="http://schemas.microsoft.com/office/drawing/2014/main" id="{78BDB258-58CC-44AE-80BE-DB2ADED7CF91}"/>
-              </a:ext>
-            </a:extLst>
-          </p:cNvPr>
-          <p:cNvSpPr/>
-          <p:nvPr/>
-        </p:nvSpPr>
-        <p:spPr>
-          <a:xfrm>
-            <a:off x="0" y="5392855"/>
-            <a:ext cx="12192000" cy="1465145"/>
-          </a:xfrm>
-          <a:prstGeom prst="rect">
-            <a:avLst/>
-          </a:prstGeom>
-          <a:blipFill>
-            <a:blip r:embed="rId2"/>
-            <a:tile tx="0" ty="0" sx="100000" sy="100000" flip="none" algn="tl"/>
-          </a:blipFill>
-          <a:ln>
-            <a:noFill/>
-          </a:ln>
-        </p:spPr>
-        <p:style>
-          <a:lnRef idx="2">
-            <a:schemeClr val="dk1">
-              <a:shade val="50000"/>
-            </a:schemeClr>
-          </a:lnRef>
-          <a:fillRef idx="1">
-            <a:schemeClr val="dk1"/>
-          </a:fillRef>
-          <a:effectRef idx="0">
-            <a:schemeClr val="dk1"/>
-          </a:effectRef>
-          <a:fontRef idx="minor">
-            <a:schemeClr val="lt1"/>
-          </a:fontRef>
-        </p:style>
-        <p:txBody>
-          <a:bodyPr rtlCol="0" anchor="ctr"/>
-          <a:lstStyle/>
-          <a:p>
-            <a:pPr algn="ctr"/>
-            <a:endParaRPr lang="en-IN" dirty="0"/>
-          </a:p>
-        </p:txBody>
-      </p:sp>
-      <p:sp>
-        <p:nvSpPr>
-          <p:cNvPr id="4" name="TextBox 3">
-            <a:extLst>
-              <a:ext uri="{FF2B5EF4-FFF2-40B4-BE49-F238E27FC236}">
-                <a16:creationId xmlns:a16="http://schemas.microsoft.com/office/drawing/2014/main" id="{9DD41A42-1488-4096-A770-566CE650F31C}"/>
-              </a:ext>
-            </a:extLst>
-          </p:cNvPr>
-          <p:cNvSpPr txBox="1"/>
-          <p:nvPr/>
-        </p:nvSpPr>
-        <p:spPr>
-          <a:xfrm>
-            <a:off x="0" y="5402469"/>
-            <a:ext cx="12192000" cy="1446550"/>
-          </a:xfrm>
-          <a:prstGeom prst="rect">
-            <a:avLst/>
-          </a:prstGeom>
-        </p:spPr>
-        <p:txBody>
-          <a:bodyPr wrap="square">
-            <a:spAutoFit/>
-          </a:bodyPr>
-          <a:lstStyle>
-            <a:defPPr>
-              <a:defRPr lang="en-US"/>
-            </a:defPPr>
-            <a:lvl1pPr algn="ctr">
-              <a:defRPr sz="4400" b="1">
-                <a:ln>
-                  <a:solidFill>
-                    <a:sysClr val="windowText" lastClr="000000"/>
-                  </a:solidFill>
-                </a:ln>
-                <a:solidFill>
-                  <a:schemeClr val="bg1"/>
-                </a:solidFill>
-                <a:effectLst>
-                  <a:outerShdw blurRad="38100" dist="38100" dir="2700000" algn="tl">
-                    <a:srgbClr val="000000">
-                      <a:alpha val="43137"/>
-                    </a:srgbClr>
-                  </a:outerShdw>
-                </a:effectLst>
-                <a:latin typeface="Tamil-049" pitchFamily="2" charset="0"/>
-              </a:defRPr>
-            </a:lvl1pPr>
-          </a:lstStyle>
-          <a:p>
-            <a:r>
-              <a:rPr lang="en-IN" dirty="0" err="1"/>
-              <a:t>úTô§jÕ</a:t>
-            </a:r>
-            <a:r>
-              <a:rPr lang="en-IN" dirty="0"/>
-              <a:t> </a:t>
-            </a:r>
-            <a:r>
-              <a:rPr lang="en-IN" dirty="0" err="1"/>
-              <a:t>SPjÕûUVô</a:t>
-            </a:r>
-            <a:r>
-              <a:rPr lang="en-IN" dirty="0"/>
-              <a:t> - </a:t>
-            </a:r>
-            <a:r>
-              <a:rPr lang="en-IN" dirty="0" err="1"/>
-              <a:t>GmûU</a:t>
-            </a:r>
-            <a:endParaRPr lang="en-IN" dirty="0"/>
-          </a:p>
-          <a:p>
-            <a:r>
-              <a:rPr lang="en-IN" dirty="0"/>
-              <a:t>¨</a:t>
-            </a:r>
-            <a:r>
-              <a:rPr lang="en-IN" dirty="0" err="1"/>
-              <a:t>Wm©Pf</a:t>
-            </a:r>
-            <a:r>
-              <a:rPr lang="en-IN" dirty="0"/>
-              <a:t> </a:t>
-            </a:r>
-            <a:r>
-              <a:rPr lang="en-IN" dirty="0" err="1"/>
-              <a:t>ùNnÙûUVô</a:t>
-            </a:r>
-            <a:endParaRPr lang="en-IN" dirty="0"/>
-          </a:p>
-        </p:txBody>
-      </p:sp>
-    </p:spTree>
-    <p:extLst>
-      <p:ext uri="{BB962C8B-B14F-4D97-AF65-F5344CB8AC3E}">
-        <p14:creationId xmlns:p14="http://schemas.microsoft.com/office/powerpoint/2010/main" val="642142391"/>
-      </p:ext>
-    </p:extLst>
-  </p:cSld>
-  <p:clrMapOvr>
-    <a:masterClrMapping/>
-  </p:clrMapOvr>
-</p:sld>
-</file>
-
 <file path=ppt/slides/slide2.xml><?xml version="1.0" encoding="utf-8"?>
 <p:sld xmlns:a="http://schemas.openxmlformats.org/drawingml/2006/main" xmlns:r="http://schemas.openxmlformats.org/officeDocument/2006/relationships" xmlns:p="http://schemas.openxmlformats.org/presentationml/2006/main">
   <p:cSld>
@@ -27857,8 +27678,8 @@
         </p:nvSpPr>
         <p:spPr>
           <a:xfrm>
-            <a:off x="0" y="5401918"/>
-            <a:ext cx="12192000" cy="1446550"/>
+            <a:off x="0" y="5469030"/>
+            <a:ext cx="12192000" cy="1323439"/>
           </a:xfrm>
           <a:prstGeom prst="rect">
             <a:avLst/>
@@ -27895,45 +27716,65 @@
           </a:lstStyle>
           <a:p>
             <a:r>
-              <a:rPr lang="en-IN" dirty="0" err="1"/>
+              <a:rPr lang="en-IN" sz="4000" dirty="0" err="1"/>
               <a:t>AûNYôÓm</a:t>
             </a:r>
             <a:r>
-              <a:rPr lang="en-IN" dirty="0"/>
+              <a:rPr lang="en-IN" sz="4000" dirty="0"/>
               <a:t> </a:t>
             </a:r>
             <a:r>
-              <a:rPr lang="en-IN" dirty="0" err="1"/>
+              <a:rPr lang="en-IN" sz="4000" dirty="0" err="1"/>
               <a:t>B®úV</a:t>
             </a:r>
             <a:r>
-              <a:rPr lang="en-IN" dirty="0"/>
-              <a:t> - </a:t>
+              <a:rPr lang="en-IN" sz="4000" dirty="0"/>
+              <a:t> – </a:t>
             </a:r>
             <a:r>
-              <a:rPr lang="en-IN" dirty="0" err="1"/>
+              <a:rPr lang="en-IN" sz="4000" dirty="0" err="1"/>
               <a:t>GmûU</a:t>
             </a:r>
-            <a:endParaRPr lang="en-IN" dirty="0"/>
+            <a:r>
+              <a:rPr lang="en-IN" sz="4000" dirty="0"/>
+              <a:t> A]</a:t>
+            </a:r>
+            <a:r>
+              <a:rPr lang="en-IN" sz="4000" dirty="0" err="1"/>
+              <a:t>pêh</a:t>
+            </a:r>
+            <a:r>
+              <a:rPr lang="en-IN" sz="4000" dirty="0"/>
+              <a:t>¥ </a:t>
+            </a:r>
+            <a:r>
+              <a:rPr lang="en-IN" sz="4000" dirty="0" err="1"/>
+              <a:t>GÝl×ûUVô</a:t>
+            </a:r>
+            <a:endParaRPr lang="en-IN" sz="4000" dirty="0"/>
           </a:p>
           <a:p>
             <a:r>
-              <a:rPr lang="en-IN" dirty="0"/>
-              <a:t>A]</a:t>
+              <a:rPr lang="pl-PL" sz="4000" dirty="0"/>
+              <a:t>úRt\WYô[u T¬ÑjRô®</a:t>
             </a:r>
             <a:r>
-              <a:rPr lang="en-IN" dirty="0" err="1"/>
-              <a:t>pêh</a:t>
+              <a:rPr lang="en-US" sz="4000" dirty="0"/>
+              <a:t> </a:t>
             </a:r>
             <a:r>
-              <a:rPr lang="en-IN" dirty="0"/>
-              <a:t>¥ </a:t>
+              <a:rPr lang="en-IN" sz="4000" dirty="0" err="1"/>
+              <a:t>úRt±P</a:t>
             </a:r>
             <a:r>
-              <a:rPr lang="en-IN" dirty="0" err="1"/>
-              <a:t>GÝl×ûUVô</a:t>
+              <a:rPr lang="en-IN" sz="4000" dirty="0"/>
+              <a:t> </a:t>
             </a:r>
-            <a:endParaRPr lang="en-IN" dirty="0"/>
+            <a:r>
+              <a:rPr lang="en-IN" sz="4000" dirty="0" err="1"/>
+              <a:t>YôÚûUVô</a:t>
+            </a:r>
+            <a:endParaRPr lang="en-IN" sz="4000" dirty="0"/>
           </a:p>
         </p:txBody>
       </p:sp>
@@ -28025,7 +27866,7 @@
           <p:cNvPr id="4" name="TextBox 3">
             <a:extLst>
               <a:ext uri="{FF2B5EF4-FFF2-40B4-BE49-F238E27FC236}">
-                <a16:creationId xmlns:a16="http://schemas.microsoft.com/office/drawing/2014/main" id="{34308A0D-EBF5-486A-93DF-D30F93D1513C}"/>
+                <a16:creationId xmlns:a16="http://schemas.microsoft.com/office/drawing/2014/main" id="{5F583C91-8BA2-4432-8E01-56AC66681649}"/>
               </a:ext>
             </a:extLst>
           </p:cNvPr>
@@ -28034,8 +27875,8 @@
         </p:nvSpPr>
         <p:spPr>
           <a:xfrm>
-            <a:off x="0" y="5402469"/>
-            <a:ext cx="12192000" cy="1446550"/>
+            <a:off x="-1" y="5385695"/>
+            <a:ext cx="12191999" cy="1446550"/>
           </a:xfrm>
           <a:prstGeom prst="rect">
             <a:avLst/>
@@ -28072,8 +27913,32 @@
           </a:lstStyle>
           <a:p>
             <a:r>
-              <a:rPr lang="pl-PL" dirty="0"/>
-              <a:t>úRt\WYô[u T¬ÑjRô®</a:t>
+              <a:rPr lang="en-IN" dirty="0"/>
+              <a:t>A]p </a:t>
+            </a:r>
+            <a:r>
+              <a:rPr lang="en-IN" dirty="0" err="1"/>
+              <a:t>Øh</a:t>
+            </a:r>
+            <a:r>
+              <a:rPr lang="en-IN" dirty="0"/>
+              <a:t>¥ </a:t>
+            </a:r>
+            <a:r>
+              <a:rPr lang="en-IN" dirty="0" err="1"/>
+              <a:t>GÝl×ûUVô</a:t>
+            </a:r>
+            <a:r>
+              <a:rPr lang="en-IN" dirty="0"/>
+              <a:t> </a:t>
+            </a:r>
+            <a:r>
+              <a:rPr lang="en-IN" dirty="0" err="1"/>
+              <a:t>Guû</a:t>
+            </a:r>
+            <a:r>
+              <a:rPr lang="en-IN" dirty="0"/>
+              <a:t>] </a:t>
             </a:r>
           </a:p>
           <a:p>
@@ -28096,7 +27961,7 @@
     </p:spTree>
     <p:extLst>
       <p:ext uri="{BB962C8B-B14F-4D97-AF65-F5344CB8AC3E}">
-        <p14:creationId xmlns:p14="http://schemas.microsoft.com/office/powerpoint/2010/main" val="1414681237"/>
+        <p14:creationId xmlns:p14="http://schemas.microsoft.com/office/powerpoint/2010/main" val="4103851070"/>
       </p:ext>
     </p:extLst>
   </p:cSld>
@@ -28181,7 +28046,7 @@
           <p:cNvPr id="4" name="TextBox 3">
             <a:extLst>
               <a:ext uri="{FF2B5EF4-FFF2-40B4-BE49-F238E27FC236}">
-                <a16:creationId xmlns:a16="http://schemas.microsoft.com/office/drawing/2014/main" id="{5F583C91-8BA2-4432-8E01-56AC66681649}"/>
+                <a16:creationId xmlns:a16="http://schemas.microsoft.com/office/drawing/2014/main" id="{744C7A77-D386-48E9-8398-E10C62AAE69D}"/>
               </a:ext>
             </a:extLst>
           </p:cNvPr>
@@ -28190,8 +28055,8 @@
         </p:nvSpPr>
         <p:spPr>
           <a:xfrm>
-            <a:off x="-1" y="5402473"/>
-            <a:ext cx="12191999" cy="1446550"/>
+            <a:off x="0" y="5401644"/>
+            <a:ext cx="12192000" cy="1446550"/>
           </a:xfrm>
           <a:prstGeom prst="rect">
             <a:avLst/>
@@ -28228,199 +28093,19 @@
           </a:lstStyle>
           <a:p>
             <a:r>
-              <a:rPr lang="en-IN" dirty="0"/>
-              <a:t>A]p </a:t>
-            </a:r>
-            <a:r>
-              <a:rPr lang="en-IN" dirty="0" err="1"/>
-              <a:t>Øh</a:t>
-            </a:r>
-            <a:r>
-              <a:rPr lang="en-IN" dirty="0"/>
-              <a:t>¥ </a:t>
-            </a:r>
-            <a:r>
-              <a:rPr lang="en-IN" dirty="0" err="1"/>
-              <a:t>GÝl×ûUVô</a:t>
-            </a:r>
-            <a:r>
-              <a:rPr lang="en-IN" dirty="0"/>
-              <a:t> </a:t>
-            </a:r>
-            <a:r>
-              <a:rPr lang="en-IN" dirty="0" err="1"/>
-              <a:t>Guû</a:t>
-            </a:r>
-            <a:r>
-              <a:rPr lang="en-IN" dirty="0"/>
-              <a:t>]</a:t>
-            </a:r>
-          </a:p>
-          <a:p>
-            <a:r>
-              <a:rPr lang="en-IN" dirty="0" err="1"/>
-              <a:t>úRt±P</a:t>
-            </a:r>
-            <a:r>
-              <a:rPr lang="en-IN" dirty="0"/>
-              <a:t> </a:t>
-            </a:r>
-            <a:r>
-              <a:rPr lang="en-IN" dirty="0" err="1"/>
-              <a:t>YôÚûUVô</a:t>
-            </a:r>
-            <a:endParaRPr lang="en-IN" dirty="0"/>
-          </a:p>
-        </p:txBody>
-      </p:sp>
-    </p:spTree>
-    <p:extLst>
-      <p:ext uri="{BB962C8B-B14F-4D97-AF65-F5344CB8AC3E}">
-        <p14:creationId xmlns:p14="http://schemas.microsoft.com/office/powerpoint/2010/main" val="4103851070"/>
-      </p:ext>
-    </p:extLst>
-  </p:cSld>
-  <p:clrMapOvr>
-    <a:masterClrMapping/>
-  </p:clrMapOvr>
-</p:sld>
-</file>
-
-<file path=ppt/slides/slide6.xml><?xml version="1.0" encoding="utf-8"?>
-<p:sld xmlns:a="http://schemas.openxmlformats.org/drawingml/2006/main" xmlns:r="http://schemas.openxmlformats.org/officeDocument/2006/relationships" xmlns:p="http://schemas.openxmlformats.org/presentationml/2006/main">
-  <p:cSld>
-    <p:spTree>
-      <p:nvGrpSpPr>
-        <p:cNvPr id="1" name=""/>
-        <p:cNvGrpSpPr/>
-        <p:nvPr/>
-      </p:nvGrpSpPr>
-      <p:grpSpPr>
-        <a:xfrm>
-          <a:off x="0" y="0"/>
-          <a:ext cx="0" cy="0"/>
-          <a:chOff x="0" y="0"/>
-          <a:chExt cx="0" cy="0"/>
-        </a:xfrm>
-      </p:grpSpPr>
-      <p:sp>
-        <p:nvSpPr>
-          <p:cNvPr id="6" name="Rectangle 5">
-            <a:extLst>
-              <a:ext uri="{FF2B5EF4-FFF2-40B4-BE49-F238E27FC236}">
-                <a16:creationId xmlns:a16="http://schemas.microsoft.com/office/drawing/2014/main" id="{78BDB258-58CC-44AE-80BE-DB2ADED7CF91}"/>
-              </a:ext>
-            </a:extLst>
-          </p:cNvPr>
-          <p:cNvSpPr/>
-          <p:nvPr/>
-        </p:nvSpPr>
-        <p:spPr>
-          <a:xfrm>
-            <a:off x="0" y="5392855"/>
-            <a:ext cx="12192000" cy="1465145"/>
-          </a:xfrm>
-          <a:prstGeom prst="rect">
-            <a:avLst/>
-          </a:prstGeom>
-          <a:blipFill>
-            <a:blip r:embed="rId2"/>
-            <a:tile tx="0" ty="0" sx="100000" sy="100000" flip="none" algn="tl"/>
-          </a:blipFill>
-          <a:ln>
-            <a:noFill/>
-          </a:ln>
-        </p:spPr>
-        <p:style>
-          <a:lnRef idx="2">
-            <a:schemeClr val="dk1">
-              <a:shade val="50000"/>
-            </a:schemeClr>
-          </a:lnRef>
-          <a:fillRef idx="1">
-            <a:schemeClr val="dk1"/>
-          </a:fillRef>
-          <a:effectRef idx="0">
-            <a:schemeClr val="dk1"/>
-          </a:effectRef>
-          <a:fontRef idx="minor">
-            <a:schemeClr val="lt1"/>
-          </a:fontRef>
-        </p:style>
-        <p:txBody>
-          <a:bodyPr rtlCol="0" anchor="ctr"/>
-          <a:lstStyle/>
-          <a:p>
-            <a:pPr algn="ctr"/>
-            <a:endParaRPr lang="en-IN" dirty="0"/>
-          </a:p>
-        </p:txBody>
-      </p:sp>
-      <p:sp>
-        <p:nvSpPr>
-          <p:cNvPr id="4" name="TextBox 3">
-            <a:extLst>
-              <a:ext uri="{FF2B5EF4-FFF2-40B4-BE49-F238E27FC236}">
-                <a16:creationId xmlns:a16="http://schemas.microsoft.com/office/drawing/2014/main" id="{A2EB0041-4EC0-4A93-AE49-2CDAB3F4213E}"/>
-              </a:ext>
-            </a:extLst>
-          </p:cNvPr>
-          <p:cNvSpPr txBox="1"/>
-          <p:nvPr/>
-        </p:nvSpPr>
-        <p:spPr>
-          <a:xfrm>
-            <a:off x="-1" y="5384319"/>
-            <a:ext cx="12191999" cy="1446550"/>
-          </a:xfrm>
-          <a:prstGeom prst="rect">
-            <a:avLst/>
-          </a:prstGeom>
-        </p:spPr>
-        <p:txBody>
-          <a:bodyPr wrap="square">
-            <a:spAutoFit/>
-          </a:bodyPr>
-          <a:lstStyle>
-            <a:defPPr>
-              <a:defRPr lang="en-US"/>
-            </a:defPPr>
-            <a:lvl1pPr algn="ctr">
-              <a:defRPr sz="4400" b="1">
-                <a:ln>
-                  <a:solidFill>
-                    <a:sysClr val="windowText" lastClr="000000"/>
-                  </a:solidFill>
-                </a:ln>
-                <a:solidFill>
-                  <a:schemeClr val="bg1"/>
-                </a:solidFill>
-                <a:effectLst>
-                  <a:outerShdw blurRad="38100" dist="38100" dir="2700000" algn="tl">
-                    <a:srgbClr val="000000">
-                      <a:alpha val="43137"/>
-                    </a:srgbClr>
-                  </a:outerShdw>
-                </a:effectLst>
-                <a:latin typeface="Tamil-049" pitchFamily="2" charset="0"/>
-              </a:defRPr>
-            </a:lvl1pPr>
-          </a:lstStyle>
-          <a:p>
-            <a:r>
-              <a:rPr lang="pt-BR" dirty="0"/>
+              <a:rPr lang="pt-BR" sz="4400" dirty="0"/>
               <a:t>Eu]R B®úV EkRu </a:t>
             </a:r>
             <a:r>
-              <a:rPr lang="en-IN" dirty="0" err="1"/>
+              <a:rPr lang="en-IN" sz="4400" dirty="0" err="1"/>
               <a:t>YpXûUVôp</a:t>
             </a:r>
             <a:r>
-              <a:rPr lang="en-IN" dirty="0"/>
+              <a:rPr lang="en-IN" sz="4400" dirty="0"/>
               <a:t> ¨</a:t>
             </a:r>
             <a:r>
-              <a:rPr lang="en-IN" dirty="0" err="1"/>
+              <a:rPr lang="en-IN" sz="4400" dirty="0" err="1"/>
               <a:t>Wl×ûUVô</a:t>
             </a:r>
             <a:endParaRPr lang="en-IN" dirty="0"/>
@@ -28456,7 +28141,7 @@
     </p:spTree>
     <p:extLst>
       <p:ext uri="{BB962C8B-B14F-4D97-AF65-F5344CB8AC3E}">
-        <p14:creationId xmlns:p14="http://schemas.microsoft.com/office/powerpoint/2010/main" val="659567130"/>
+        <p14:creationId xmlns:p14="http://schemas.microsoft.com/office/powerpoint/2010/main" val="859356432"/>
       </p:ext>
     </p:extLst>
   </p:cSld>
@@ -28466,7 +28151,7 @@
 </p:sld>
 </file>
 
-<file path=ppt/slides/slide7.xml><?xml version="1.0" encoding="utf-8"?>
+<file path=ppt/slides/slide6.xml><?xml version="1.0" encoding="utf-8"?>
 <p:sld xmlns:a="http://schemas.openxmlformats.org/drawingml/2006/main" xmlns:r="http://schemas.openxmlformats.org/officeDocument/2006/relationships" xmlns:p="http://schemas.openxmlformats.org/presentationml/2006/main">
   <p:cSld>
     <p:spTree>
@@ -28657,7 +28342,7 @@
 </p:sld>
 </file>
 
-<file path=ppt/slides/slide8.xml><?xml version="1.0" encoding="utf-8"?>
+<file path=ppt/slides/slide7.xml><?xml version="1.0" encoding="utf-8"?>
 <p:sld xmlns:a="http://schemas.openxmlformats.org/drawingml/2006/main" xmlns:r="http://schemas.openxmlformats.org/officeDocument/2006/relationships" xmlns:p="http://schemas.openxmlformats.org/presentationml/2006/main">
   <p:cSld>
     <p:spTree>
@@ -28741,8 +28426,8 @@
         </p:nvSpPr>
         <p:spPr>
           <a:xfrm>
-            <a:off x="0" y="5401359"/>
-            <a:ext cx="12192000" cy="1446550"/>
+            <a:off x="0" y="5426526"/>
+            <a:ext cx="12192000" cy="1415772"/>
           </a:xfrm>
           <a:prstGeom prst="rect">
             <a:avLst/>
@@ -28779,41 +28464,85 @@
           </a:lstStyle>
           <a:p>
             <a:r>
-              <a:rPr lang="en-IN" dirty="0" err="1"/>
+              <a:rPr lang="en-IN" sz="4300" dirty="0" err="1"/>
               <a:t>Nj§V</a:t>
             </a:r>
             <a:r>
-              <a:rPr lang="en-IN" dirty="0"/>
+              <a:rPr lang="en-IN" sz="4300" dirty="0"/>
               <a:t> </a:t>
             </a:r>
             <a:r>
-              <a:rPr lang="en-IN" dirty="0" err="1"/>
+              <a:rPr lang="en-IN" sz="4300" dirty="0" err="1"/>
               <a:t>B®úV</a:t>
             </a:r>
             <a:r>
-              <a:rPr lang="en-IN" dirty="0"/>
-              <a:t> - </a:t>
+              <a:rPr lang="en-IN" sz="4300" dirty="0"/>
+              <a:t> – </a:t>
             </a:r>
             <a:r>
-              <a:rPr lang="en-IN" dirty="0" err="1"/>
+              <a:rPr lang="en-IN" sz="4300" dirty="0" err="1"/>
               <a:t>GmûU</a:t>
             </a:r>
-            <a:endParaRPr lang="en-IN" dirty="0"/>
+            <a:r>
+              <a:rPr lang="en-IN" sz="4300" dirty="0"/>
+              <a:t> </a:t>
+            </a:r>
+            <a:r>
+              <a:rPr lang="en-IN" sz="4300" dirty="0" err="1"/>
+              <a:t>úTô§jÕ</a:t>
+            </a:r>
+            <a:r>
+              <a:rPr lang="en-IN" sz="4300" dirty="0"/>
+              <a:t> </a:t>
+            </a:r>
+            <a:r>
+              <a:rPr lang="en-IN" sz="4300" dirty="0" err="1"/>
+              <a:t>SPjÕûUVô</a:t>
+            </a:r>
+            <a:endParaRPr lang="en-IN" sz="4300" dirty="0"/>
           </a:p>
           <a:p>
             <a:r>
-              <a:rPr lang="en-IN" dirty="0" err="1"/>
-              <a:t>úTô§jÕ</a:t>
+              <a:rPr lang="en-IN" sz="4300" dirty="0"/>
+              <a:t>L²L°]</a:t>
             </a:r>
             <a:r>
-              <a:rPr lang="en-IN" dirty="0"/>
+              <a:rPr lang="en-IN" sz="4300" dirty="0" err="1"/>
+              <a:t>ôÛm</a:t>
+            </a:r>
+            <a:r>
+              <a:rPr lang="en-IN" sz="4300" dirty="0"/>
               <a:t> </a:t>
             </a:r>
             <a:r>
-              <a:rPr lang="en-IN" dirty="0" err="1"/>
-              <a:t>SPjÕûUVô</a:t>
+              <a:rPr lang="en-IN" sz="4300" dirty="0" err="1"/>
+              <a:t>YWeL</a:t>
             </a:r>
-            <a:endParaRPr lang="en-IN" dirty="0"/>
+            <a:r>
+              <a:rPr lang="en-IN" sz="4300" dirty="0"/>
+              <a:t>°]</a:t>
+            </a:r>
+            <a:r>
+              <a:rPr lang="en-IN" sz="4300" dirty="0" err="1"/>
+              <a:t>ôÛm</a:t>
+            </a:r>
+            <a:r>
+              <a:rPr lang="en-IN" sz="4300" dirty="0"/>
+              <a:t> ¨</a:t>
+            </a:r>
+            <a:r>
+              <a:rPr lang="en-IN" sz="4300" dirty="0" err="1"/>
+              <a:t>Wm©P</a:t>
+            </a:r>
+            <a:r>
+              <a:rPr lang="en-IN" sz="4300" dirty="0"/>
+              <a:t> </a:t>
+            </a:r>
+            <a:r>
+              <a:rPr lang="en-IN" sz="4300" dirty="0" err="1"/>
+              <a:t>ùNnÙûUVô</a:t>
+            </a:r>
+            <a:endParaRPr lang="en-IN" sz="4300" dirty="0"/>
           </a:p>
         </p:txBody>
       </p:sp>
@@ -28830,7 +28559,7 @@
 </p:sld>
 </file>
 
-<file path=ppt/slides/slide9.xml><?xml version="1.0" encoding="utf-8"?>
+<file path=ppt/slides/slide8.xml><?xml version="1.0" encoding="utf-8"?>
 <p:sld xmlns:a="http://schemas.openxmlformats.org/drawingml/2006/main" xmlns:r="http://schemas.openxmlformats.org/officeDocument/2006/relationships" xmlns:p="http://schemas.openxmlformats.org/presentationml/2006/main">
   <p:cSld>
     <p:spTree>
@@ -28905,7 +28634,7 @@
           <p:cNvPr id="4" name="TextBox 3">
             <a:extLst>
               <a:ext uri="{FF2B5EF4-FFF2-40B4-BE49-F238E27FC236}">
-                <a16:creationId xmlns:a16="http://schemas.microsoft.com/office/drawing/2014/main" id="{66116814-8770-4A79-9E48-25156223D5AC}"/>
+                <a16:creationId xmlns:a16="http://schemas.microsoft.com/office/drawing/2014/main" id="{9DD41A42-1488-4096-A770-566CE650F31C}"/>
               </a:ext>
             </a:extLst>
           </p:cNvPr>
@@ -28914,8 +28643,8 @@
         </p:nvSpPr>
         <p:spPr>
           <a:xfrm>
-            <a:off x="-1" y="5401920"/>
-            <a:ext cx="12191999" cy="1446550"/>
+            <a:off x="0" y="5402469"/>
+            <a:ext cx="12192000" cy="1446550"/>
           </a:xfrm>
           <a:prstGeom prst="rect">
             <a:avLst/>
@@ -28952,12 +28681,8 @@
           </a:lstStyle>
           <a:p>
             <a:r>
-              <a:rPr lang="en-IN" dirty="0"/>
-              <a:t>L²L°]</a:t>
-            </a:r>
-            <a:r>
               <a:rPr lang="en-IN" dirty="0" err="1"/>
-              <a:t>ôÛm</a:t>
+              <a:t>úTô§jÕ</a:t>
             </a:r>
             <a:r>
               <a:rPr lang="en-IN" dirty="0"/>
@@ -28965,15 +28690,15 @@
             </a:r>
             <a:r>
               <a:rPr lang="en-IN" dirty="0" err="1"/>
-              <a:t>YWeL</a:t>
+              <a:t>SPjÕûUVô</a:t>
             </a:r>
             <a:r>
               <a:rPr lang="en-IN" dirty="0"/>
-              <a:t>°]</a:t>
+              <a:t> - </a:t>
             </a:r>
             <a:r>
               <a:rPr lang="en-IN" dirty="0" err="1"/>
-              <a:t>ôÛm</a:t>
+              <a:t>GmûU</a:t>
             </a:r>
             <a:endParaRPr lang="en-IN" dirty="0"/>
           </a:p>
@@ -28984,7 +28709,7 @@
             </a:r>
             <a:r>
               <a:rPr lang="en-IN" dirty="0" err="1"/>
-              <a:t>Wm©P</a:t>
+              <a:t>Wm©Pf</a:t>
             </a:r>
             <a:r>
               <a:rPr lang="en-IN" dirty="0"/>
@@ -29001,7 +28726,7 @@
     </p:spTree>
     <p:extLst>
       <p:ext uri="{BB962C8B-B14F-4D97-AF65-F5344CB8AC3E}">
-        <p14:creationId xmlns:p14="http://schemas.microsoft.com/office/powerpoint/2010/main" val="1883622595"/>
+        <p14:creationId xmlns:p14="http://schemas.microsoft.com/office/powerpoint/2010/main" val="642142391"/>
       </p:ext>
     </p:extLst>
   </p:cSld>
